--- a/EMR/3/VA_L-withJadro.pptx
+++ b/EMR/3/VA_L-withJadro.pptx
@@ -9,6 +9,7 @@
     <p:sldId id="257" r:id="rId6"/>
     <p:sldId id="259" r:id="rId7"/>
     <p:sldId id="258" r:id="rId8"/>
+    <p:sldId id="260" r:id="rId9"/>
   </p:sldIdLst>
   <p:sldSz cx="12192000" cy="6858000"/>
   <p:notesSz cx="6858000" cy="9144000"/>
@@ -107,13 +108,18 @@
       </a:defRPr>
     </a:lvl9pPr>
   </p:defaultTextStyle>
+  <p:extLst>
+    <p:ext uri="{EFAFB233-063F-42B5-8137-9DF3F51BA10A}">
+      <p15:sldGuideLst xmlns:p15="http://schemas.microsoft.com/office/powerpoint/2012/main"/>
+    </p:ext>
+  </p:extLst>
 </p:presentation>
 </file>
 
 <file path=ppt/revisionInfo.xml><?xml version="1.0" encoding="utf-8"?>
 <p1510:revInfo xmlns:a="http://schemas.openxmlformats.org/drawingml/2006/main" xmlns:r="http://schemas.openxmlformats.org/officeDocument/2006/relationships" xmlns:p1510="http://schemas.microsoft.com/office/powerpoint/2015/10/main">
   <p1510:revLst>
-    <p1510:client id="{B029DBF1-33C3-49F3-A7B6-FA819C3BF6A3}" v="5" dt="2020-09-20T08:25:36.099"/>
+    <p1510:client id="{9BF4B7AD-CB8A-4D5A-A92A-C8BBB4764BCB}" v="4" dt="2020-10-15T07:43:26.524"/>
   </p1510:revLst>
 </p1510:revInfo>
 </file>
@@ -265,7 +271,7 @@
           <a:p>
             <a:fld id="{1A1C2EEC-BDC1-47A6-981F-2BBB966585D4}" type="datetimeFigureOut">
               <a:rPr lang="en-US" smtClean="0"/>
-              <a:t>9/20/2020</a:t>
+              <a:t>10/16/2020</a:t>
             </a:fld>
             <a:endParaRPr lang="en-US"/>
           </a:p>
@@ -463,7 +469,7 @@
           <a:p>
             <a:fld id="{1A1C2EEC-BDC1-47A6-981F-2BBB966585D4}" type="datetimeFigureOut">
               <a:rPr lang="en-US" smtClean="0"/>
-              <a:t>9/20/2020</a:t>
+              <a:t>10/16/2020</a:t>
             </a:fld>
             <a:endParaRPr lang="en-US"/>
           </a:p>
@@ -671,7 +677,7 @@
           <a:p>
             <a:fld id="{1A1C2EEC-BDC1-47A6-981F-2BBB966585D4}" type="datetimeFigureOut">
               <a:rPr lang="en-US" smtClean="0"/>
-              <a:t>9/20/2020</a:t>
+              <a:t>10/16/2020</a:t>
             </a:fld>
             <a:endParaRPr lang="en-US"/>
           </a:p>
@@ -869,7 +875,7 @@
           <a:p>
             <a:fld id="{1A1C2EEC-BDC1-47A6-981F-2BBB966585D4}" type="datetimeFigureOut">
               <a:rPr lang="en-US" smtClean="0"/>
-              <a:t>9/20/2020</a:t>
+              <a:t>10/16/2020</a:t>
             </a:fld>
             <a:endParaRPr lang="en-US"/>
           </a:p>
@@ -1144,7 +1150,7 @@
           <a:p>
             <a:fld id="{1A1C2EEC-BDC1-47A6-981F-2BBB966585D4}" type="datetimeFigureOut">
               <a:rPr lang="en-US" smtClean="0"/>
-              <a:t>9/20/2020</a:t>
+              <a:t>10/16/2020</a:t>
             </a:fld>
             <a:endParaRPr lang="en-US"/>
           </a:p>
@@ -1409,7 +1415,7 @@
           <a:p>
             <a:fld id="{1A1C2EEC-BDC1-47A6-981F-2BBB966585D4}" type="datetimeFigureOut">
               <a:rPr lang="en-US" smtClean="0"/>
-              <a:t>9/20/2020</a:t>
+              <a:t>10/16/2020</a:t>
             </a:fld>
             <a:endParaRPr lang="en-US"/>
           </a:p>
@@ -1821,7 +1827,7 @@
           <a:p>
             <a:fld id="{1A1C2EEC-BDC1-47A6-981F-2BBB966585D4}" type="datetimeFigureOut">
               <a:rPr lang="en-US" smtClean="0"/>
-              <a:t>9/20/2020</a:t>
+              <a:t>10/16/2020</a:t>
             </a:fld>
             <a:endParaRPr lang="en-US"/>
           </a:p>
@@ -1962,7 +1968,7 @@
           <a:p>
             <a:fld id="{1A1C2EEC-BDC1-47A6-981F-2BBB966585D4}" type="datetimeFigureOut">
               <a:rPr lang="en-US" smtClean="0"/>
-              <a:t>9/20/2020</a:t>
+              <a:t>10/16/2020</a:t>
             </a:fld>
             <a:endParaRPr lang="en-US"/>
           </a:p>
@@ -2075,7 +2081,7 @@
           <a:p>
             <a:fld id="{1A1C2EEC-BDC1-47A6-981F-2BBB966585D4}" type="datetimeFigureOut">
               <a:rPr lang="en-US" smtClean="0"/>
-              <a:t>9/20/2020</a:t>
+              <a:t>10/16/2020</a:t>
             </a:fld>
             <a:endParaRPr lang="en-US"/>
           </a:p>
@@ -2386,7 +2392,7 @@
           <a:p>
             <a:fld id="{1A1C2EEC-BDC1-47A6-981F-2BBB966585D4}" type="datetimeFigureOut">
               <a:rPr lang="en-US" smtClean="0"/>
-              <a:t>9/20/2020</a:t>
+              <a:t>10/16/2020</a:t>
             </a:fld>
             <a:endParaRPr lang="en-US"/>
           </a:p>
@@ -2674,7 +2680,7 @@
           <a:p>
             <a:fld id="{1A1C2EEC-BDC1-47A6-981F-2BBB966585D4}" type="datetimeFigureOut">
               <a:rPr lang="en-US" smtClean="0"/>
-              <a:t>9/20/2020</a:t>
+              <a:t>10/16/2020</a:t>
             </a:fld>
             <a:endParaRPr lang="en-US"/>
           </a:p>
@@ -2915,7 +2921,7 @@
           <a:p>
             <a:fld id="{1A1C2EEC-BDC1-47A6-981F-2BBB966585D4}" type="datetimeFigureOut">
               <a:rPr lang="en-US" smtClean="0"/>
-              <a:t>9/20/2020</a:t>
+              <a:t>10/16/2020</a:t>
             </a:fld>
             <a:endParaRPr lang="en-US"/>
           </a:p>
@@ -3367,7 +3373,15 @@
             </a:r>
             <a:r>
               <a:rPr lang="sk-SK" dirty="0"/>
-              <a:t>čnosti L s jadrom VA metódou</a:t>
+              <a:t>čnosti </a:t>
+            </a:r>
+            <a:r>
+              <a:rPr lang="en-US" dirty="0" err="1"/>
+              <a:t>cievky</a:t>
+            </a:r>
+            <a:r>
+              <a:rPr lang="sk-SK" dirty="0"/>
+              <a:t> s jadrom VA metódou</a:t>
             </a:r>
             <a:endParaRPr lang="en-US" dirty="0"/>
           </a:p>
@@ -3483,19 +3497,17 @@
       </p:sp>
       <p:pic>
         <p:nvPicPr>
-          <p:cNvPr id="5" name="Content Placeholder 4">
-            <a:extLst>
-              <a:ext uri="{FF2B5EF4-FFF2-40B4-BE49-F238E27FC236}">
-                <a16:creationId xmlns:a16="http://schemas.microsoft.com/office/drawing/2014/main" id="{142E11BC-1A69-4840-BC61-FCF6B7A3BD3D}"/>
+          <p:cNvPr id="8" name="Picture 7">
+            <a:extLst>
+              <a:ext uri="{FF2B5EF4-FFF2-40B4-BE49-F238E27FC236}">
+                <a16:creationId xmlns:a16="http://schemas.microsoft.com/office/drawing/2014/main" id="{FCAC2AF8-4B7E-4463-A445-AC0655EE2340}"/>
               </a:ext>
             </a:extLst>
           </p:cNvPr>
           <p:cNvPicPr>
-            <a:picLocks noGrp="1" noChangeAspect="1"/>
+            <a:picLocks noChangeAspect="1"/>
           </p:cNvPicPr>
-          <p:nvPr>
-            <p:ph idx="1"/>
-          </p:nvPr>
+          <p:nvPr/>
         </p:nvPicPr>
         <p:blipFill>
           <a:blip r:embed="rId2"/>
@@ -3505,47 +3517,14 @@
         </p:blipFill>
         <p:spPr>
           <a:xfrm>
-            <a:off x="3276600" y="2844006"/>
-            <a:ext cx="5638800" cy="2314575"/>
-          </a:xfrm>
-        </p:spPr>
-      </p:pic>
-      <p:sp>
-        <p:nvSpPr>
-          <p:cNvPr id="6" name="TextBox 5">
-            <a:extLst>
-              <a:ext uri="{FF2B5EF4-FFF2-40B4-BE49-F238E27FC236}">
-                <a16:creationId xmlns:a16="http://schemas.microsoft.com/office/drawing/2014/main" id="{DC8CEC33-6139-4797-901C-6B9918C4F689}"/>
-              </a:ext>
-            </a:extLst>
-          </p:cNvPr>
-          <p:cNvSpPr txBox="1"/>
-          <p:nvPr/>
-        </p:nvSpPr>
-        <p:spPr>
-          <a:xfrm>
-            <a:off x="3276600" y="5158581"/>
-            <a:ext cx="5440218" cy="215444"/>
+            <a:off x="3976687" y="2343901"/>
+            <a:ext cx="4238625" cy="2619375"/>
           </a:xfrm>
           <a:prstGeom prst="rect">
             <a:avLst/>
           </a:prstGeom>
-          <a:noFill/>
         </p:spPr>
-        <p:txBody>
-          <a:bodyPr wrap="square" rtlCol="0">
-            <a:spAutoFit/>
-          </a:bodyPr>
-          <a:lstStyle/>
-          <a:p>
-            <a:r>
-              <a:rPr lang="sk-SK" sz="800" dirty="0"/>
-              <a:t>Vysoko-kvalitná schéma, ktorá úplne všetko vysvetľuje</a:t>
-            </a:r>
-            <a:endParaRPr lang="en-US" sz="800" dirty="0"/>
-          </a:p>
-        </p:txBody>
-      </p:sp>
+      </p:pic>
     </p:spTree>
     <p:extLst>
       <p:ext uri="{BB962C8B-B14F-4D97-AF65-F5344CB8AC3E}">
@@ -3621,10 +3600,34 @@
             <p:ph idx="1"/>
           </p:nvPr>
         </p:nvSpPr>
-        <p:spPr/>
-        <p:txBody>
-          <a:bodyPr/>
-          <a:lstStyle/>
+        <p:spPr>
+          <a:xfrm>
+            <a:off x="838200" y="1282419"/>
+            <a:ext cx="10515600" cy="4351338"/>
+          </a:xfrm>
+        </p:spPr>
+        <p:txBody>
+          <a:bodyPr/>
+          <a:lstStyle/>
+          <a:p>
+            <a:r>
+              <a:rPr lang="en-US" dirty="0" err="1"/>
+              <a:t>Cievka</a:t>
+            </a:r>
+            <a:r>
+              <a:rPr lang="en-US" dirty="0"/>
+              <a:t> je </a:t>
+            </a:r>
+            <a:r>
+              <a:rPr lang="en-US" dirty="0" err="1"/>
+              <a:t>dvojp</a:t>
+            </a:r>
+            <a:r>
+              <a:rPr lang="sk-SK" dirty="0"/>
+              <a:t>ólová súčiastka, môže byť s jadrom alebo bez jadra</a:t>
+            </a:r>
+            <a:endParaRPr lang="en-US" dirty="0"/>
+          </a:p>
           <a:p>
             <a:r>
               <a:rPr lang="sk-SK" dirty="0"/>
@@ -3634,13 +3637,37 @@
           <a:p>
             <a:r>
               <a:rPr lang="sk-SK" dirty="0"/>
-              <a:t>V cievke, v ktorej sa mení I sa taktiež indukuje U, ktoré okrem I závisí aj od koeficientu L, ktorý je vlastne vlastná indukčnosť.</a:t>
-            </a:r>
-          </a:p>
-          <a:p>
+              <a:t>V cievke</a:t>
+            </a:r>
+            <a:r>
+              <a:rPr lang="en-US" dirty="0"/>
+              <a:t> </a:t>
+            </a:r>
+            <a:r>
+              <a:rPr lang="en-US" dirty="0" err="1"/>
+              <a:t>sa</a:t>
+            </a:r>
+            <a:r>
+              <a:rPr lang="en-US" dirty="0"/>
+              <a:t> </a:t>
+            </a:r>
+            <a:r>
+              <a:rPr lang="en-US" dirty="0" err="1"/>
+              <a:t>prechodom</a:t>
+            </a:r>
+            <a:r>
+              <a:rPr lang="en-US" dirty="0"/>
+              <a:t> pr</a:t>
+            </a:r>
             <a:r>
               <a:rPr lang="sk-SK" dirty="0"/>
-              <a:t>Efekt vl. indukčnosti je v AC obvode väčšiu impedanciu ako v DC obvode. I závisí aj od f. Čím vyššie f, tým menší je prúd.</a:t>
+              <a:t>údu I indukuje napätie U, ktoré závisí od samotného prúdu I a indukčnosti cievky.</a:t>
+            </a:r>
+          </a:p>
+          <a:p>
+            <a:r>
+              <a:rPr lang="sk-SK"/>
+              <a:t>V DC obvode sa indukčnosť cievky neprejaví, pretože cievka sa správa ako vodič a v AC obvode prúd I pretekajúci cievkou závisí od frekvencie f.</a:t>
             </a:r>
             <a:endParaRPr lang="en-US" dirty="0"/>
           </a:p>
@@ -3668,7 +3695,7 @@
         </p:blipFill>
         <p:spPr>
           <a:xfrm>
-            <a:off x="4566155" y="4427681"/>
+            <a:off x="4566155" y="4477932"/>
             <a:ext cx="3059690" cy="2364026"/>
           </a:xfrm>
           <a:prstGeom prst="rect">
@@ -3799,12 +3826,68 @@
               <a:t>Princíp merania je založený na odmeraní </a:t>
             </a:r>
             <a:r>
+              <a:rPr lang="en-US" b="1" i="1" dirty="0"/>
+              <a:t>U</a:t>
+            </a:r>
+            <a:r>
+              <a:rPr lang="en-US" i="1" dirty="0"/>
+              <a:t> </a:t>
+            </a:r>
+            <a:r>
+              <a:rPr lang="en-US" dirty="0" err="1"/>
+              <a:t>na</a:t>
+            </a:r>
+            <a:r>
+              <a:rPr lang="en-US" dirty="0"/>
+              <a:t> </a:t>
+            </a:r>
+            <a:r>
+              <a:rPr lang="en-US" dirty="0" err="1"/>
+              <a:t>cievke</a:t>
+            </a:r>
+            <a:r>
+              <a:rPr lang="en-US" dirty="0"/>
+              <a:t> </a:t>
+            </a:r>
+            <a:r>
+              <a:rPr lang="en-US" dirty="0" err="1"/>
+              <a:t>voltmetrom</a:t>
+            </a:r>
+            <a:r>
+              <a:rPr lang="en-US" dirty="0"/>
+              <a:t>, </a:t>
+            </a:r>
+            <a:r>
+              <a:rPr lang="en-US" b="1" i="1" dirty="0"/>
+              <a:t>I </a:t>
+            </a:r>
+            <a:r>
+              <a:rPr lang="en-US" dirty="0"/>
+              <a:t>amp</a:t>
+            </a:r>
+            <a:r>
+              <a:rPr lang="sk-SK" dirty="0"/>
+              <a:t>érmetrom a </a:t>
+            </a:r>
+            <a:r>
+              <a:rPr lang="sk-SK" b="1" i="1" dirty="0"/>
+              <a:t>príkon </a:t>
+            </a:r>
+            <a:r>
               <a:rPr lang="sk-SK" i="1" dirty="0"/>
-              <a:t>činného </a:t>
+              <a:t>(straty) </a:t>
             </a:r>
             <a:r>
               <a:rPr lang="sk-SK" dirty="0"/>
-              <a:t>odporu cievky, následne jej impedancie V-A metódou. Potom vypočítame samotnú indukčnosť.</a:t>
+              <a:t>na cievke</a:t>
+            </a:r>
+            <a:r>
+              <a:rPr lang="sk-SK" i="1" dirty="0"/>
+              <a:t> </a:t>
+            </a:r>
+            <a:r>
+              <a:rPr lang="sk-SK" dirty="0"/>
+              <a:t>wattmetrom. Potom vypočítame samotnú indukčnosť.</a:t>
             </a:r>
           </a:p>
           <a:p>
@@ -3813,7 +3896,13 @@
             </a:pPr>
             <a:r>
               <a:rPr lang="sk-SK" dirty="0"/>
-              <a:t>Cievku pripojíme na DC zdroj</a:t>
+              <a:t>Obvod zapojíme podľa </a:t>
+            </a:r>
+            <a:r>
+              <a:rPr lang="sk-SK" dirty="0">
+                <a:hlinkClick r:id="rId2" action="ppaction://hlinksldjump"/>
+              </a:rPr>
+              <a:t>schémy</a:t>
             </a:r>
             <a:r>
               <a:rPr lang="en-US" dirty="0"/>
@@ -3829,74 +3918,15 @@
             </a:r>
             <a:r>
               <a:rPr lang="sk-SK" dirty="0"/>
-              <a:t>Ohmovym zákonom vypočítame činný odpor</a:t>
-            </a:r>
-            <a:r>
-              <a:rPr lang="en-US" dirty="0"/>
-              <a:t>; </a:t>
-            </a:r>
-            <a:r>
-              <a:rPr lang="sk-SK" dirty="0"/>
-              <a:t>cievku pripojíme na AC zdroj</a:t>
-            </a:r>
-            <a:r>
-              <a:rPr lang="en-US" dirty="0"/>
-              <a:t>; </a:t>
-            </a:r>
-            <a:r>
-              <a:rPr lang="sk-SK" dirty="0"/>
-              <a:t>odmeriame U a I</a:t>
+              <a:t>zmeriame straty na cievke</a:t>
             </a:r>
             <a:r>
               <a:rPr lang="en-US" dirty="0"/>
               <a:t>;</a:t>
             </a:r>
-            <a:r>
-              <a:rPr lang="sk-SK" dirty="0"/>
-              <a:t> vypočítame impedanciu L</a:t>
-            </a:r>
-            <a:r>
-              <a:rPr lang="en-US" dirty="0"/>
-              <a:t>;</a:t>
-            </a:r>
-            <a:r>
-              <a:rPr lang="sk-SK" dirty="0"/>
-              <a:t> L vypočítame zo vzťahu:</a:t>
-            </a:r>
-            <a:endParaRPr lang="en-US" dirty="0"/>
-          </a:p>
-        </p:txBody>
-      </p:sp>
-      <p:pic>
-        <p:nvPicPr>
-          <p:cNvPr id="5" name="Picture 4">
-            <a:extLst>
-              <a:ext uri="{FF2B5EF4-FFF2-40B4-BE49-F238E27FC236}">
-                <a16:creationId xmlns:a16="http://schemas.microsoft.com/office/drawing/2014/main" id="{12FE1BE9-F924-49AA-8A40-31B450CC26EC}"/>
-              </a:ext>
-            </a:extLst>
-          </p:cNvPr>
-          <p:cNvPicPr>
-            <a:picLocks noChangeAspect="1"/>
-          </p:cNvPicPr>
-          <p:nvPr/>
-        </p:nvPicPr>
-        <p:blipFill>
-          <a:blip r:embed="rId2"/>
-          <a:stretch>
-            <a:fillRect/>
-          </a:stretch>
-        </p:blipFill>
-        <p:spPr>
-          <a:xfrm>
-            <a:off x="4907567" y="4401992"/>
-            <a:ext cx="2376865" cy="631825"/>
-          </a:xfrm>
-          <a:prstGeom prst="rect">
-            <a:avLst/>
-          </a:prstGeom>
-        </p:spPr>
-      </p:pic>
+          </a:p>
+        </p:txBody>
+      </p:sp>
       <p:sp>
         <p:nvSpPr>
           <p:cNvPr id="6" name="TextBox 5">
@@ -4028,10 +4058,211 @@
           </a:prstGeom>
         </p:spPr>
       </p:pic>
+      <p:pic>
+        <p:nvPicPr>
+          <p:cNvPr id="7" name="Picture 6">
+            <a:extLst>
+              <a:ext uri="{FF2B5EF4-FFF2-40B4-BE49-F238E27FC236}">
+                <a16:creationId xmlns:a16="http://schemas.microsoft.com/office/drawing/2014/main" id="{0D4CFC9C-1FE4-412A-AFEB-FEABF53EFF44}"/>
+              </a:ext>
+            </a:extLst>
+          </p:cNvPr>
+          <p:cNvPicPr>
+            <a:picLocks noChangeAspect="1"/>
+          </p:cNvPicPr>
+          <p:nvPr/>
+        </p:nvPicPr>
+        <p:blipFill>
+          <a:blip r:embed="rId5"/>
+          <a:stretch>
+            <a:fillRect/>
+          </a:stretch>
+        </p:blipFill>
+        <p:spPr>
+          <a:xfrm>
+            <a:off x="3093287" y="4001294"/>
+            <a:ext cx="5133975" cy="647700"/>
+          </a:xfrm>
+          <a:prstGeom prst="rect">
+            <a:avLst/>
+          </a:prstGeom>
+        </p:spPr>
+      </p:pic>
+      <p:pic>
+        <p:nvPicPr>
+          <p:cNvPr id="12" name="Picture 11">
+            <a:extLst>
+              <a:ext uri="{FF2B5EF4-FFF2-40B4-BE49-F238E27FC236}">
+                <a16:creationId xmlns:a16="http://schemas.microsoft.com/office/drawing/2014/main" id="{BB102B60-923D-4D93-96C4-4F779708A4C2}"/>
+              </a:ext>
+            </a:extLst>
+          </p:cNvPr>
+          <p:cNvPicPr>
+            <a:picLocks noChangeAspect="1"/>
+          </p:cNvPicPr>
+          <p:nvPr/>
+        </p:nvPicPr>
+        <p:blipFill>
+          <a:blip r:embed="rId6"/>
+          <a:stretch>
+            <a:fillRect/>
+          </a:stretch>
+        </p:blipFill>
+        <p:spPr>
+          <a:xfrm>
+            <a:off x="2050563" y="3569661"/>
+            <a:ext cx="1955968" cy="488992"/>
+          </a:xfrm>
+          <a:prstGeom prst="rect">
+            <a:avLst/>
+          </a:prstGeom>
+        </p:spPr>
+      </p:pic>
+      <p:pic>
+        <p:nvPicPr>
+          <p:cNvPr id="14" name="Picture 13">
+            <a:extLst>
+              <a:ext uri="{FF2B5EF4-FFF2-40B4-BE49-F238E27FC236}">
+                <a16:creationId xmlns:a16="http://schemas.microsoft.com/office/drawing/2014/main" id="{13DB2D49-0598-480C-94FA-22FA02375F7C}"/>
+              </a:ext>
+            </a:extLst>
+          </p:cNvPr>
+          <p:cNvPicPr>
+            <a:picLocks noChangeAspect="1"/>
+          </p:cNvPicPr>
+          <p:nvPr/>
+        </p:nvPicPr>
+        <p:blipFill>
+          <a:blip r:embed="rId7"/>
+          <a:stretch>
+            <a:fillRect/>
+          </a:stretch>
+        </p:blipFill>
+        <p:spPr>
+          <a:xfrm>
+            <a:off x="4453463" y="3532090"/>
+            <a:ext cx="1367698" cy="402264"/>
+          </a:xfrm>
+          <a:prstGeom prst="rect">
+            <a:avLst/>
+          </a:prstGeom>
+        </p:spPr>
+      </p:pic>
     </p:spTree>
     <p:extLst>
       <p:ext uri="{BB962C8B-B14F-4D97-AF65-F5344CB8AC3E}">
         <p14:creationId xmlns:p14="http://schemas.microsoft.com/office/powerpoint/2010/main" val="2075518771"/>
+      </p:ext>
+    </p:extLst>
+  </p:cSld>
+  <p:clrMapOvr>
+    <a:masterClrMapping/>
+  </p:clrMapOvr>
+</p:sld>
+</file>
+
+<file path=ppt/slides/slide5.xml><?xml version="1.0" encoding="utf-8"?>
+<p:sld xmlns:a="http://schemas.openxmlformats.org/drawingml/2006/main" xmlns:r="http://schemas.openxmlformats.org/officeDocument/2006/relationships" xmlns:p="http://schemas.openxmlformats.org/presentationml/2006/main">
+  <p:cSld>
+    <p:spTree>
+      <p:nvGrpSpPr>
+        <p:cNvPr id="1" name=""/>
+        <p:cNvGrpSpPr/>
+        <p:nvPr/>
+      </p:nvGrpSpPr>
+      <p:grpSpPr>
+        <a:xfrm>
+          <a:off x="0" y="0"/>
+          <a:ext cx="0" cy="0"/>
+          <a:chOff x="0" y="0"/>
+          <a:chExt cx="0" cy="0"/>
+        </a:xfrm>
+      </p:grpSpPr>
+      <p:sp>
+        <p:nvSpPr>
+          <p:cNvPr id="2" name="Title 1">
+            <a:extLst>
+              <a:ext uri="{FF2B5EF4-FFF2-40B4-BE49-F238E27FC236}">
+                <a16:creationId xmlns:a16="http://schemas.microsoft.com/office/drawing/2014/main" id="{5B7366C4-8294-421E-8E90-E89CC1FBB537}"/>
+              </a:ext>
+            </a:extLst>
+          </p:cNvPr>
+          <p:cNvSpPr>
+            <a:spLocks noGrp="1"/>
+          </p:cNvSpPr>
+          <p:nvPr>
+            <p:ph type="title"/>
+          </p:nvPr>
+        </p:nvSpPr>
+        <p:spPr/>
+        <p:txBody>
+          <a:bodyPr/>
+          <a:lstStyle/>
+          <a:p>
+            <a:r>
+              <a:rPr lang="sk-SK" dirty="0"/>
+              <a:t>Zdroje</a:t>
+            </a:r>
+            <a:endParaRPr lang="en-US" dirty="0"/>
+          </a:p>
+        </p:txBody>
+      </p:sp>
+      <p:sp>
+        <p:nvSpPr>
+          <p:cNvPr id="3" name="Content Placeholder 2">
+            <a:extLst>
+              <a:ext uri="{FF2B5EF4-FFF2-40B4-BE49-F238E27FC236}">
+                <a16:creationId xmlns:a16="http://schemas.microsoft.com/office/drawing/2014/main" id="{3A98A187-A127-4424-BDBA-A4538BB7F52C}"/>
+              </a:ext>
+            </a:extLst>
+          </p:cNvPr>
+          <p:cNvSpPr>
+            <a:spLocks noGrp="1"/>
+          </p:cNvSpPr>
+          <p:nvPr>
+            <p:ph idx="1"/>
+          </p:nvPr>
+        </p:nvSpPr>
+        <p:spPr/>
+        <p:txBody>
+          <a:bodyPr/>
+          <a:lstStyle/>
+          <a:p>
+            <a:r>
+              <a:rPr lang="en-US" dirty="0">
+                <a:hlinkClick r:id="rId2"/>
+              </a:rPr>
+              <a:t>http://cloud1c.edupage.org/cloud/Meranie_indukcnosti.pdf?z%3A%2B9G%2BhJ2c%2BEVhiiW%2BbSPNKREaaCdmKdPkVrLax9XEdPHQQNAYCveLfx1E7E0huTMZ</a:t>
+            </a:r>
+            <a:endParaRPr lang="en-US" dirty="0"/>
+          </a:p>
+          <a:p>
+            <a:r>
+              <a:rPr lang="en-US" dirty="0">
+                <a:hlinkClick r:id="rId3"/>
+              </a:rPr>
+              <a:t>http://www.tonko.eu/ele/node/175</a:t>
+            </a:r>
+            <a:endParaRPr lang="en-US" dirty="0"/>
+          </a:p>
+          <a:p>
+            <a:r>
+              <a:rPr lang="en-US" dirty="0">
+                <a:hlinkClick r:id="rId4"/>
+              </a:rPr>
+              <a:t>https://sites.google.com/site/elmspsd/home/meranie-indukcnosti-cievky-so-zeleznym-jadrom</a:t>
+            </a:r>
+            <a:endParaRPr lang="en-US" dirty="0"/>
+          </a:p>
+          <a:p>
+            <a:endParaRPr lang="en-US" dirty="0"/>
+          </a:p>
+        </p:txBody>
+      </p:sp>
+    </p:spTree>
+    <p:extLst>
+      <p:ext uri="{BB962C8B-B14F-4D97-AF65-F5344CB8AC3E}">
+        <p14:creationId xmlns:p14="http://schemas.microsoft.com/office/powerpoint/2010/main" val="3711580419"/>
       </p:ext>
     </p:extLst>
   </p:cSld>
@@ -4590,16 +4821,16 @@
 <file path=customXml/itemProps3.xml><?xml version="1.0" encoding="utf-8"?>
 <ds:datastoreItem xmlns:ds="http://schemas.openxmlformats.org/officeDocument/2006/customXml" ds:itemID="{D51EF259-E7B9-4B37-9CA9-E3CB0D56012A}">
   <ds:schemaRefs>
+    <ds:schemaRef ds:uri="http://schemas.microsoft.com/office/2006/metadata/properties"/>
     <ds:schemaRef ds:uri="http://www.w3.org/XML/1998/namespace"/>
-    <ds:schemaRef ds:uri="1bb66fb2-b45a-4f26-a5e1-07c0bd1bd131"/>
-    <ds:schemaRef ds:uri="http://purl.org/dc/elements/1.1/"/>
-    <ds:schemaRef ds:uri="http://purl.org/dc/dcmitype/"/>
     <ds:schemaRef ds:uri="http://schemas.microsoft.com/office/2006/documentManagement/types"/>
     <ds:schemaRef ds:uri="http://purl.org/dc/terms/"/>
-    <ds:schemaRef ds:uri="b9c82c9b-8b52-464d-923f-6ca6cfb21747"/>
     <ds:schemaRef ds:uri="http://schemas.microsoft.com/office/infopath/2007/PartnerControls"/>
     <ds:schemaRef ds:uri="http://schemas.openxmlformats.org/package/2006/metadata/core-properties"/>
-    <ds:schemaRef ds:uri="http://schemas.microsoft.com/office/2006/metadata/properties"/>
+    <ds:schemaRef ds:uri="b9c82c9b-8b52-464d-923f-6ca6cfb21747"/>
+    <ds:schemaRef ds:uri="1bb66fb2-b45a-4f26-a5e1-07c0bd1bd131"/>
+    <ds:schemaRef ds:uri="http://purl.org/dc/dcmitype/"/>
+    <ds:schemaRef ds:uri="http://purl.org/dc/elements/1.1/"/>
   </ds:schemaRefs>
 </ds:datastoreItem>
 </file>